--- a/System_Design/System_Design_Examples.pptx
+++ b/System_Design/System_Design_Examples.pptx
@@ -273,7 +273,7 @@
           <a:p>
             <a:fld id="{C75E38B9-9A66-5745-88E3-227BF8332898}" type="datetimeFigureOut">
               <a:rPr lang="en-US" smtClean="0"/>
-              <a:t>6/4/20</a:t>
+              <a:t>11/11/24</a:t>
             </a:fld>
             <a:endParaRPr lang="en-US"/>
           </a:p>
@@ -471,7 +471,7 @@
           <a:p>
             <a:fld id="{C75E38B9-9A66-5745-88E3-227BF8332898}" type="datetimeFigureOut">
               <a:rPr lang="en-US" smtClean="0"/>
-              <a:t>6/4/20</a:t>
+              <a:t>11/11/24</a:t>
             </a:fld>
             <a:endParaRPr lang="en-US"/>
           </a:p>
@@ -679,7 +679,7 @@
           <a:p>
             <a:fld id="{C75E38B9-9A66-5745-88E3-227BF8332898}" type="datetimeFigureOut">
               <a:rPr lang="en-US" smtClean="0"/>
-              <a:t>6/4/20</a:t>
+              <a:t>11/11/24</a:t>
             </a:fld>
             <a:endParaRPr lang="en-US"/>
           </a:p>
@@ -877,7 +877,7 @@
           <a:p>
             <a:fld id="{C75E38B9-9A66-5745-88E3-227BF8332898}" type="datetimeFigureOut">
               <a:rPr lang="en-US" smtClean="0"/>
-              <a:t>6/4/20</a:t>
+              <a:t>11/11/24</a:t>
             </a:fld>
             <a:endParaRPr lang="en-US"/>
           </a:p>
@@ -1152,7 +1152,7 @@
           <a:p>
             <a:fld id="{C75E38B9-9A66-5745-88E3-227BF8332898}" type="datetimeFigureOut">
               <a:rPr lang="en-US" smtClean="0"/>
-              <a:t>6/4/20</a:t>
+              <a:t>11/11/24</a:t>
             </a:fld>
             <a:endParaRPr lang="en-US"/>
           </a:p>
@@ -1417,7 +1417,7 @@
           <a:p>
             <a:fld id="{C75E38B9-9A66-5745-88E3-227BF8332898}" type="datetimeFigureOut">
               <a:rPr lang="en-US" smtClean="0"/>
-              <a:t>6/4/20</a:t>
+              <a:t>11/11/24</a:t>
             </a:fld>
             <a:endParaRPr lang="en-US"/>
           </a:p>
@@ -1829,7 +1829,7 @@
           <a:p>
             <a:fld id="{C75E38B9-9A66-5745-88E3-227BF8332898}" type="datetimeFigureOut">
               <a:rPr lang="en-US" smtClean="0"/>
-              <a:t>6/4/20</a:t>
+              <a:t>11/11/24</a:t>
             </a:fld>
             <a:endParaRPr lang="en-US"/>
           </a:p>
@@ -1970,7 +1970,7 @@
           <a:p>
             <a:fld id="{C75E38B9-9A66-5745-88E3-227BF8332898}" type="datetimeFigureOut">
               <a:rPr lang="en-US" smtClean="0"/>
-              <a:t>6/4/20</a:t>
+              <a:t>11/11/24</a:t>
             </a:fld>
             <a:endParaRPr lang="en-US"/>
           </a:p>
@@ -2083,7 +2083,7 @@
           <a:p>
             <a:fld id="{C75E38B9-9A66-5745-88E3-227BF8332898}" type="datetimeFigureOut">
               <a:rPr lang="en-US" smtClean="0"/>
-              <a:t>6/4/20</a:t>
+              <a:t>11/11/24</a:t>
             </a:fld>
             <a:endParaRPr lang="en-US"/>
           </a:p>
@@ -2394,7 +2394,7 @@
           <a:p>
             <a:fld id="{C75E38B9-9A66-5745-88E3-227BF8332898}" type="datetimeFigureOut">
               <a:rPr lang="en-US" smtClean="0"/>
-              <a:t>6/4/20</a:t>
+              <a:t>11/11/24</a:t>
             </a:fld>
             <a:endParaRPr lang="en-US"/>
           </a:p>
@@ -2682,7 +2682,7 @@
           <a:p>
             <a:fld id="{C75E38B9-9A66-5745-88E3-227BF8332898}" type="datetimeFigureOut">
               <a:rPr lang="en-US" smtClean="0"/>
-              <a:t>6/4/20</a:t>
+              <a:t>11/11/24</a:t>
             </a:fld>
             <a:endParaRPr lang="en-US"/>
           </a:p>
@@ -2923,7 +2923,7 @@
           <a:p>
             <a:fld id="{C75E38B9-9A66-5745-88E3-227BF8332898}" type="datetimeFigureOut">
               <a:rPr lang="en-US" smtClean="0"/>
-              <a:t>6/4/20</a:t>
+              <a:t>11/11/24</a:t>
             </a:fld>
             <a:endParaRPr lang="en-US"/>
           </a:p>
@@ -8025,7 +8025,7 @@
                   <a:schemeClr val="accent1"/>
                 </a:solidFill>
               </a:rPr>
-              <a:t>UserFollowo</a:t>
+              <a:t>UserFollow</a:t>
             </a:r>
             <a:r>
               <a:rPr lang="en-US" sz="1400" dirty="0">
